--- a/JustShapes.pptx
+++ b/JustShapes.pptx
@@ -981,7 +981,7 @@
           <a:effectLst/>
           <a:extLst>
             <a:ext uri="{91240B29-F687-4f45-9708-019B960494DF}">
-              <a14:hiddenLine xmlns:a14="http://schemas.microsoft.com/office/drawing/2010/main" xmlns="" w="9525">
+              <a14:hiddenLine xmlns="" xmlns:a14="http://schemas.microsoft.com/office/drawing/2010/main" w="9525">
                 <a:solidFill>
                   <a:srgbClr val="000000"/>
                 </a:solidFill>
@@ -2559,7 +2559,7 @@
           <a:ln/>
           <a:extLst>
             <a:ext uri="{91240B29-F687-4f45-9708-019B960494DF}">
-              <a14:hiddenLine xmlns:a14="http://schemas.microsoft.com/office/drawing/2010/main" xmlns="" w="9525">
+              <a14:hiddenLine xmlns="" xmlns:a14="http://schemas.microsoft.com/office/drawing/2010/main" w="9525">
                 <a:solidFill>
                   <a:srgbClr val="000000"/>
                 </a:solidFill>
@@ -2895,7 +2895,7 @@
           <a:ln/>
           <a:extLst>
             <a:ext uri="{91240B29-F687-4f45-9708-019B960494DF}">
-              <a14:hiddenLine xmlns:a14="http://schemas.microsoft.com/office/drawing/2010/main" xmlns="" w="9525">
+              <a14:hiddenLine xmlns="" xmlns:a14="http://schemas.microsoft.com/office/drawing/2010/main" w="9525">
                 <a:solidFill>
                   <a:srgbClr val="000000"/>
                 </a:solidFill>
@@ -3239,7 +3239,7 @@
           <a:ln/>
           <a:extLst>
             <a:ext uri="{91240B29-F687-4f45-9708-019B960494DF}">
-              <a14:hiddenLine xmlns:a14="http://schemas.microsoft.com/office/drawing/2010/main" xmlns="" w="9525">
+              <a14:hiddenLine xmlns="" xmlns:a14="http://schemas.microsoft.com/office/drawing/2010/main" w="9525">
                 <a:solidFill>
                   <a:srgbClr val="000000"/>
                 </a:solidFill>
@@ -3935,7 +3935,7 @@
           <a:ln/>
           <a:extLst>
             <a:ext uri="{91240B29-F687-4f45-9708-019B960494DF}">
-              <a14:hiddenLine xmlns:a14="http://schemas.microsoft.com/office/drawing/2010/main" xmlns="" w="9525">
+              <a14:hiddenLine xmlns="" xmlns:a14="http://schemas.microsoft.com/office/drawing/2010/main" w="9525">
                 <a:solidFill>
                   <a:srgbClr val="000000"/>
                 </a:solidFill>
@@ -4383,7 +4383,7 @@
           <a:ln/>
           <a:extLst>
             <a:ext uri="{91240B29-F687-4f45-9708-019B960494DF}">
-              <a14:hiddenLine xmlns:a14="http://schemas.microsoft.com/office/drawing/2010/main" xmlns="" w="9525">
+              <a14:hiddenLine xmlns="" xmlns:a14="http://schemas.microsoft.com/office/drawing/2010/main" w="9525">
                 <a:solidFill>
                   <a:srgbClr val="000000"/>
                 </a:solidFill>
@@ -4965,7 +4965,7 @@
           <a:ln/>
           <a:extLst>
             <a:ext uri="{91240B29-F687-4f45-9708-019B960494DF}">
-              <a14:hiddenLine xmlns:a14="http://schemas.microsoft.com/office/drawing/2010/main" xmlns="" w="9525">
+              <a14:hiddenLine xmlns="" xmlns:a14="http://schemas.microsoft.com/office/drawing/2010/main" w="9525">
                 <a:solidFill>
                   <a:srgbClr val="000000"/>
                 </a:solidFill>
@@ -5415,7 +5415,7 @@
           <a:ln/>
           <a:extLst>
             <a:ext uri="{91240B29-F687-4f45-9708-019B960494DF}">
-              <a14:hiddenLine xmlns:a14="http://schemas.microsoft.com/office/drawing/2010/main" xmlns="" w="9525">
+              <a14:hiddenLine xmlns="" xmlns:a14="http://schemas.microsoft.com/office/drawing/2010/main" w="9525">
                 <a:solidFill>
                   <a:srgbClr val="000000"/>
                 </a:solidFill>
@@ -7034,7 +7034,7 @@
           <a:effectLst/>
           <a:extLst>
             <a:ext uri="{91240B29-F687-4f45-9708-019B960494DF}">
-              <a14:hiddenLine xmlns:p14="http://schemas.microsoft.com/office/powerpoint/2010/main" xmlns:a16="http://schemas.microsoft.com/office/drawing/2014/main" xmlns:a14="http://schemas.microsoft.com/office/drawing/2010/main" xmlns="" w="9525">
+              <a14:hiddenLine xmlns="" xmlns:a14="http://schemas.microsoft.com/office/drawing/2010/main" xmlns:a16="http://schemas.microsoft.com/office/drawing/2014/main" xmlns:p14="http://schemas.microsoft.com/office/powerpoint/2010/main" w="9525">
                 <a:solidFill>
                   <a:srgbClr val="000000"/>
                 </a:solidFill>
@@ -7400,10 +7400,10 @@
       </p:sp>
       <p:pic>
         <p:nvPicPr>
-          <p:cNvPr id="9" name="図 8">
+          <p:cNvPr id="5" name="図 4">
             <a:extLst>
               <a:ext uri="{FF2B5EF4-FFF2-40B4-BE49-F238E27FC236}">
-                <a16:creationId xmlns:a16="http://schemas.microsoft.com/office/drawing/2014/main" id="{B99450C5-62CF-46EB-ACC3-C00FBC5DD55A}"/>
+                <a16:creationId xmlns:a16="http://schemas.microsoft.com/office/drawing/2014/main" id="{910614C5-4CAB-48D5-A97C-ABE4F7FA859E}"/>
               </a:ext>
             </a:extLst>
           </p:cNvPr>
@@ -7420,8 +7420,8 @@
         </p:blipFill>
         <p:spPr>
           <a:xfrm>
-            <a:off x="4684620" y="2451190"/>
-            <a:ext cx="6916166" cy="3890344"/>
+            <a:off x="4836952" y="2602619"/>
+            <a:ext cx="6925390" cy="3890344"/>
           </a:xfrm>
           <a:prstGeom prst="rect">
             <a:avLst/>
@@ -7485,10 +7485,10 @@
       </p:sp>
       <p:sp>
         <p:nvSpPr>
-          <p:cNvPr id="3" name="コンテンツ プレースホルダー 2">
+          <p:cNvPr id="7" name="コンテンツ プレースホルダー 6">
             <a:extLst>
               <a:ext uri="{FF2B5EF4-FFF2-40B4-BE49-F238E27FC236}">
-                <a16:creationId xmlns:a16="http://schemas.microsoft.com/office/drawing/2014/main" id="{6E38AFD4-ECF8-40AE-A77E-74A49A0BB08A}"/>
+                <a16:creationId xmlns:a16="http://schemas.microsoft.com/office/drawing/2014/main" id="{1E6BC282-4FC6-4151-AB67-757BE0987A64}"/>
               </a:ext>
             </a:extLst>
           </p:cNvPr>
@@ -7504,7 +7504,7 @@
           <a:bodyPr/>
           <a:lstStyle/>
           <a:p>
-            <a:endParaRPr kumimoji="1" lang="ja-JP" altLang="en-US" dirty="0"/>
+            <a:endParaRPr lang="ja-JP" altLang="en-US"/>
           </a:p>
         </p:txBody>
       </p:sp>
@@ -8600,6 +8600,23 @@
 </file>
 
 <file path=customXml/item1.xml><?xml version="1.0" encoding="utf-8"?>
+<p:properties xmlns:p="http://schemas.microsoft.com/office/2006/metadata/properties" xmlns:xsi="http://www.w3.org/2001/XMLSchema-instance" xmlns:pc="http://schemas.microsoft.com/office/infopath/2007/PartnerControls">
+  <documentManagement>
+    <MediaServiceKeyPoints xmlns="71af3243-3dd4-4a8d-8c0d-dd76da1f02a5" xsi:nil="true"/>
+  </documentManagement>
+</p:properties>
+</file>
+
+<file path=customXml/item2.xml><?xml version="1.0" encoding="utf-8"?>
+<?mso-contentType ?>
+<FormTemplates xmlns="http://schemas.microsoft.com/sharepoint/v3/contenttype/forms">
+  <Display>DocumentLibraryForm</Display>
+  <Edit>DocumentLibraryForm</Edit>
+  <New>DocumentLibraryForm</New>
+</FormTemplates>
+</file>
+
+<file path=customXml/item3.xml><?xml version="1.0" encoding="utf-8"?>
 <ct:contentTypeSchema xmlns:ct="http://schemas.microsoft.com/office/2006/metadata/contentType" xmlns:ma="http://schemas.microsoft.com/office/2006/metadata/properties/metaAttributes" ct:_="" ma:_="" ma:contentTypeName="Document" ma:contentTypeID="0x01010079F111ED35F8CC479449609E8A0923A6" ma:contentTypeVersion="11" ma:contentTypeDescription="Create a new document." ma:contentTypeScope="" ma:versionID="9677210f24a1be23c92c90fd886aa0aa">
   <xsd:schema xmlns:xsd="http://www.w3.org/2001/XMLSchema" xmlns:xs="http://www.w3.org/2001/XMLSchema" xmlns:p="http://schemas.microsoft.com/office/2006/metadata/properties" xmlns:ns2="71af3243-3dd4-4a8d-8c0d-dd76da1f02a5" xmlns:ns3="16c05727-aa75-4e4a-9b5f-8a80a1165891" targetNamespace="http://schemas.microsoft.com/office/2006/metadata/properties" ma:root="true" ma:fieldsID="60e05723c5c1908df1a1a4ebf11d344e" ns2:_="" ns3:_="">
     <xsd:import namespace="71af3243-3dd4-4a8d-8c0d-dd76da1f02a5"/>
@@ -8810,24 +8827,25 @@
 </ct:contentTypeSchema>
 </file>
 
-<file path=customXml/item2.xml><?xml version="1.0" encoding="utf-8"?>
-<?mso-contentType ?>
-<FormTemplates xmlns="http://schemas.microsoft.com/sharepoint/v3/contenttype/forms">
-  <Display>DocumentLibraryForm</Display>
-  <Edit>DocumentLibraryForm</Edit>
-  <New>DocumentLibraryForm</New>
-</FormTemplates>
+<file path=customXml/itemProps1.xml><?xml version="1.0" encoding="utf-8"?>
+<ds:datastoreItem xmlns:ds="http://schemas.openxmlformats.org/officeDocument/2006/customXml" ds:itemID="{F3E96646-423E-4354-94C2-1A28227BF075}">
+  <ds:schemaRefs>
+    <ds:schemaRef ds:uri="http://schemas.microsoft.com/office/2006/metadata/properties"/>
+    <ds:schemaRef ds:uri="http://schemas.microsoft.com/office/infopath/2007/PartnerControls"/>
+    <ds:schemaRef ds:uri="71af3243-3dd4-4a8d-8c0d-dd76da1f02a5"/>
+  </ds:schemaRefs>
+</ds:datastoreItem>
 </file>
 
-<file path=customXml/item3.xml><?xml version="1.0" encoding="utf-8"?>
-<p:properties xmlns:p="http://schemas.microsoft.com/office/2006/metadata/properties" xmlns:xsi="http://www.w3.org/2001/XMLSchema-instance" xmlns:pc="http://schemas.microsoft.com/office/infopath/2007/PartnerControls">
-  <documentManagement>
-    <MediaServiceKeyPoints xmlns="71af3243-3dd4-4a8d-8c0d-dd76da1f02a5" xsi:nil="true"/>
-  </documentManagement>
-</p:properties>
+<file path=customXml/itemProps2.xml><?xml version="1.0" encoding="utf-8"?>
+<ds:datastoreItem xmlns:ds="http://schemas.openxmlformats.org/officeDocument/2006/customXml" ds:itemID="{A2F4A21B-80B9-40F1-8308-E0B7F0FE0B09}">
+  <ds:schemaRefs>
+    <ds:schemaRef ds:uri="http://schemas.microsoft.com/sharepoint/v3/contenttype/forms"/>
+  </ds:schemaRefs>
+</ds:datastoreItem>
 </file>
 
-<file path=customXml/itemProps1.xml><?xml version="1.0" encoding="utf-8"?>
+<file path=customXml/itemProps3.xml><?xml version="1.0" encoding="utf-8"?>
 <ds:datastoreItem xmlns:ds="http://schemas.openxmlformats.org/officeDocument/2006/customXml" ds:itemID="{0F051B7F-F45F-4FBB-974B-85B568B21B4D}">
   <ds:schemaRefs>
     <ds:schemaRef ds:uri="http://schemas.microsoft.com/office/2006/metadata/contentType"/>
@@ -8844,22 +8862,4 @@
     <ds:schemaRef ds:uri="http://schemas.microsoft.com/internal/obd"/>
   </ds:schemaRefs>
 </ds:datastoreItem>
-</file>
-
-<file path=customXml/itemProps2.xml><?xml version="1.0" encoding="utf-8"?>
-<ds:datastoreItem xmlns:ds="http://schemas.openxmlformats.org/officeDocument/2006/customXml" ds:itemID="{A2F4A21B-80B9-40F1-8308-E0B7F0FE0B09}">
-  <ds:schemaRefs>
-    <ds:schemaRef ds:uri="http://schemas.microsoft.com/sharepoint/v3/contenttype/forms"/>
-  </ds:schemaRefs>
-</ds:datastoreItem>
-</file>
-
-<file path=customXml/itemProps3.xml><?xml version="1.0" encoding="utf-8"?>
-<ds:datastoreItem xmlns:ds="http://schemas.openxmlformats.org/officeDocument/2006/customXml" ds:itemID="{F3E96646-423E-4354-94C2-1A28227BF075}">
-  <ds:schemaRefs>
-    <ds:schemaRef ds:uri="http://schemas.microsoft.com/office/2006/metadata/properties"/>
-    <ds:schemaRef ds:uri="http://schemas.microsoft.com/office/infopath/2007/PartnerControls"/>
-    <ds:schemaRef ds:uri="71af3243-3dd4-4a8d-8c0d-dd76da1f02a5"/>
-  </ds:schemaRefs>
-</ds:datastoreItem>
 </file>
--- a/JustShapes.pptx
+++ b/JustShapes.pptx
@@ -981,7 +981,7 @@
           <a:effectLst/>
           <a:extLst>
             <a:ext uri="{91240B29-F687-4f45-9708-019B960494DF}">
-              <a14:hiddenLine xmlns="" xmlns:a14="http://schemas.microsoft.com/office/drawing/2010/main" w="9525">
+              <a14:hiddenLine xmlns:a14="http://schemas.microsoft.com/office/drawing/2010/main" xmlns="" w="9525">
                 <a:solidFill>
                   <a:srgbClr val="000000"/>
                 </a:solidFill>
@@ -2559,7 +2559,7 @@
           <a:ln/>
           <a:extLst>
             <a:ext uri="{91240B29-F687-4f45-9708-019B960494DF}">
-              <a14:hiddenLine xmlns="" xmlns:a14="http://schemas.microsoft.com/office/drawing/2010/main" w="9525">
+              <a14:hiddenLine xmlns:a14="http://schemas.microsoft.com/office/drawing/2010/main" xmlns="" w="9525">
                 <a:solidFill>
                   <a:srgbClr val="000000"/>
                 </a:solidFill>
@@ -2895,7 +2895,7 @@
           <a:ln/>
           <a:extLst>
             <a:ext uri="{91240B29-F687-4f45-9708-019B960494DF}">
-              <a14:hiddenLine xmlns="" xmlns:a14="http://schemas.microsoft.com/office/drawing/2010/main" w="9525">
+              <a14:hiddenLine xmlns:a14="http://schemas.microsoft.com/office/drawing/2010/main" xmlns="" w="9525">
                 <a:solidFill>
                   <a:srgbClr val="000000"/>
                 </a:solidFill>
@@ -3239,7 +3239,7 @@
           <a:ln/>
           <a:extLst>
             <a:ext uri="{91240B29-F687-4f45-9708-019B960494DF}">
-              <a14:hiddenLine xmlns="" xmlns:a14="http://schemas.microsoft.com/office/drawing/2010/main" w="9525">
+              <a14:hiddenLine xmlns:a14="http://schemas.microsoft.com/office/drawing/2010/main" xmlns="" w="9525">
                 <a:solidFill>
                   <a:srgbClr val="000000"/>
                 </a:solidFill>
@@ -3935,7 +3935,7 @@
           <a:ln/>
           <a:extLst>
             <a:ext uri="{91240B29-F687-4f45-9708-019B960494DF}">
-              <a14:hiddenLine xmlns="" xmlns:a14="http://schemas.microsoft.com/office/drawing/2010/main" w="9525">
+              <a14:hiddenLine xmlns:a14="http://schemas.microsoft.com/office/drawing/2010/main" xmlns="" w="9525">
                 <a:solidFill>
                   <a:srgbClr val="000000"/>
                 </a:solidFill>
@@ -4383,7 +4383,7 @@
           <a:ln/>
           <a:extLst>
             <a:ext uri="{91240B29-F687-4f45-9708-019B960494DF}">
-              <a14:hiddenLine xmlns="" xmlns:a14="http://schemas.microsoft.com/office/drawing/2010/main" w="9525">
+              <a14:hiddenLine xmlns:a14="http://schemas.microsoft.com/office/drawing/2010/main" xmlns="" w="9525">
                 <a:solidFill>
                   <a:srgbClr val="000000"/>
                 </a:solidFill>
@@ -4965,7 +4965,7 @@
           <a:ln/>
           <a:extLst>
             <a:ext uri="{91240B29-F687-4f45-9708-019B960494DF}">
-              <a14:hiddenLine xmlns="" xmlns:a14="http://schemas.microsoft.com/office/drawing/2010/main" w="9525">
+              <a14:hiddenLine xmlns:a14="http://schemas.microsoft.com/office/drawing/2010/main" xmlns="" w="9525">
                 <a:solidFill>
                   <a:srgbClr val="000000"/>
                 </a:solidFill>
@@ -5415,7 +5415,7 @@
           <a:ln/>
           <a:extLst>
             <a:ext uri="{91240B29-F687-4f45-9708-019B960494DF}">
-              <a14:hiddenLine xmlns="" xmlns:a14="http://schemas.microsoft.com/office/drawing/2010/main" w="9525">
+              <a14:hiddenLine xmlns:a14="http://schemas.microsoft.com/office/drawing/2010/main" xmlns="" w="9525">
                 <a:solidFill>
                   <a:srgbClr val="000000"/>
                 </a:solidFill>
@@ -7034,7 +7034,7 @@
           <a:effectLst/>
           <a:extLst>
             <a:ext uri="{91240B29-F687-4f45-9708-019B960494DF}">
-              <a14:hiddenLine xmlns="" xmlns:a14="http://schemas.microsoft.com/office/drawing/2010/main" xmlns:a16="http://schemas.microsoft.com/office/drawing/2014/main" xmlns:p14="http://schemas.microsoft.com/office/powerpoint/2010/main" w="9525">
+              <a14:hiddenLine xmlns:p14="http://schemas.microsoft.com/office/powerpoint/2010/main" xmlns:a16="http://schemas.microsoft.com/office/drawing/2014/main" xmlns:a14="http://schemas.microsoft.com/office/drawing/2010/main" xmlns="" w="9525">
                 <a:solidFill>
                   <a:srgbClr val="000000"/>
                 </a:solidFill>
@@ -7292,109 +7292,43 @@
             <p:ph idx="1"/>
           </p:nvPr>
         </p:nvSpPr>
-        <p:spPr/>
-        <p:txBody>
-          <a:bodyPr/>
+        <p:spPr>
+          <a:xfrm>
+            <a:off x="429658" y="2222288"/>
+            <a:ext cx="10943628" cy="2442846"/>
+          </a:xfrm>
+        </p:spPr>
+        <p:txBody>
+          <a:bodyPr>
+            <a:normAutofit/>
+          </a:bodyPr>
           <a:lstStyle/>
           <a:p>
             <a:pPr marL="0" indent="0">
               <a:buNone/>
             </a:pPr>
             <a:r>
-              <a:rPr lang="ja-JP" altLang="en-US" dirty="0"/>
-              <a:t>ステージ</a:t>
-            </a:r>
-            <a:r>
-              <a:rPr lang="en-US" altLang="ja-JP" dirty="0"/>
+              <a:rPr lang="en-US" altLang="ja-JP" sz="2400" dirty="0"/>
               <a:t>BGM</a:t>
             </a:r>
             <a:r>
-              <a:rPr lang="ja-JP" altLang="en-US" dirty="0"/>
-              <a:t>に合わせて敵が動いたり、</a:t>
-            </a:r>
-            <a:endParaRPr lang="en-US" altLang="ja-JP" dirty="0"/>
+              <a:rPr lang="ja-JP" altLang="en-US" sz="2400" dirty="0"/>
+              <a:t>のリズムに合わせて</a:t>
+            </a:r>
+            <a:endParaRPr lang="en-US" altLang="ja-JP" sz="2400" dirty="0"/>
           </a:p>
           <a:p>
             <a:pPr marL="0" indent="0">
               <a:buNone/>
             </a:pPr>
             <a:r>
-              <a:rPr lang="ja-JP" altLang="en-US" dirty="0"/>
-              <a:t>攻撃が飛んできたりするため、</a:t>
-            </a:r>
-            <a:endParaRPr lang="en-US" altLang="ja-JP" dirty="0"/>
-          </a:p>
-          <a:p>
-            <a:pPr marL="0" indent="0">
-              <a:buNone/>
-            </a:pPr>
-            <a:r>
-              <a:rPr lang="ja-JP" altLang="en-US" dirty="0"/>
-              <a:t>移動とダッシュを駆使して</a:t>
-            </a:r>
-            <a:endParaRPr lang="en-US" altLang="ja-JP" dirty="0"/>
-          </a:p>
-          <a:p>
-            <a:pPr marL="0" indent="0">
-              <a:buNone/>
-            </a:pPr>
-            <a:r>
-              <a:rPr lang="en-US" altLang="ja-JP" dirty="0"/>
-              <a:t>BGM</a:t>
-            </a:r>
-            <a:r>
-              <a:rPr lang="ja-JP" altLang="en-US" dirty="0"/>
-              <a:t>が終わるまでよけ続けよう！</a:t>
-            </a:r>
-            <a:endParaRPr lang="en-US" altLang="ja-JP" dirty="0"/>
-          </a:p>
-          <a:p>
-            <a:pPr marL="0" indent="0">
-              <a:buNone/>
-            </a:pPr>
-            <a:endParaRPr lang="en-US" altLang="ja-JP" dirty="0"/>
-          </a:p>
-          <a:p>
-            <a:pPr marL="0" indent="0">
-              <a:buNone/>
-            </a:pPr>
-            <a:r>
-              <a:rPr lang="en-US" altLang="ja-JP" dirty="0"/>
-              <a:t>(</a:t>
-            </a:r>
-            <a:r>
-              <a:rPr lang="ja-JP" altLang="en-US" dirty="0"/>
-              <a:t>水色</a:t>
-            </a:r>
-            <a:r>
-              <a:rPr lang="en-US" altLang="ja-JP" dirty="0"/>
-              <a:t>:</a:t>
-            </a:r>
-            <a:r>
-              <a:rPr lang="ja-JP" altLang="en-US" dirty="0"/>
-              <a:t>プレイヤー</a:t>
-            </a:r>
-            <a:r>
-              <a:rPr lang="en-US" altLang="ja-JP" dirty="0"/>
-              <a:t>,</a:t>
-            </a:r>
-            <a:r>
-              <a:rPr lang="ja-JP" altLang="en-US" dirty="0"/>
-              <a:t>ピンク</a:t>
-            </a:r>
-            <a:r>
-              <a:rPr lang="en-US" altLang="ja-JP" dirty="0"/>
-              <a:t>:</a:t>
-            </a:r>
-            <a:r>
-              <a:rPr lang="ja-JP" altLang="en-US" dirty="0"/>
-              <a:t>敵</a:t>
-            </a:r>
-            <a:r>
-              <a:rPr lang="en-US" altLang="ja-JP" dirty="0"/>
-              <a:t>)</a:t>
-            </a:r>
-            <a:endParaRPr lang="ja-JP" altLang="en-US" dirty="0"/>
+              <a:rPr lang="en-US" altLang="ja-JP" sz="2400" dirty="0"/>
+              <a:t>		</a:t>
+            </a:r>
+            <a:r>
+              <a:rPr lang="ja-JP" altLang="en-US" sz="2400" dirty="0"/>
+              <a:t>出てくる敵を避け続けよう！</a:t>
+            </a:r>
           </a:p>
         </p:txBody>
       </p:sp>
@@ -7504,7 +7438,28 @@
           <a:bodyPr/>
           <a:lstStyle/>
           <a:p>
-            <a:endParaRPr lang="ja-JP" altLang="en-US"/>
+            <a:pPr marL="0" indent="0">
+              <a:buNone/>
+            </a:pPr>
+            <a:r>
+              <a:rPr lang="ja-JP" altLang="en-US" dirty="0"/>
+              <a:t>ダッシュを使うと</a:t>
+            </a:r>
+            <a:endParaRPr lang="en-US" altLang="ja-JP" dirty="0"/>
+          </a:p>
+          <a:p>
+            <a:pPr marL="0" indent="0">
+              <a:buNone/>
+            </a:pPr>
+            <a:r>
+              <a:rPr lang="ja-JP" altLang="en-US" dirty="0"/>
+              <a:t>ダッシュ中だけ無敵に</a:t>
+            </a:r>
+            <a:r>
+              <a:rPr lang="ja-JP" altLang="en-US"/>
+              <a:t>なる！</a:t>
+            </a:r>
+            <a:endParaRPr lang="en-US" altLang="ja-JP"/>
           </a:p>
         </p:txBody>
       </p:sp>
@@ -8600,23 +8555,6 @@
 </file>
 
 <file path=customXml/item1.xml><?xml version="1.0" encoding="utf-8"?>
-<p:properties xmlns:p="http://schemas.microsoft.com/office/2006/metadata/properties" xmlns:xsi="http://www.w3.org/2001/XMLSchema-instance" xmlns:pc="http://schemas.microsoft.com/office/infopath/2007/PartnerControls">
-  <documentManagement>
-    <MediaServiceKeyPoints xmlns="71af3243-3dd4-4a8d-8c0d-dd76da1f02a5" xsi:nil="true"/>
-  </documentManagement>
-</p:properties>
-</file>
-
-<file path=customXml/item2.xml><?xml version="1.0" encoding="utf-8"?>
-<?mso-contentType ?>
-<FormTemplates xmlns="http://schemas.microsoft.com/sharepoint/v3/contenttype/forms">
-  <Display>DocumentLibraryForm</Display>
-  <Edit>DocumentLibraryForm</Edit>
-  <New>DocumentLibraryForm</New>
-</FormTemplates>
-</file>
-
-<file path=customXml/item3.xml><?xml version="1.0" encoding="utf-8"?>
 <ct:contentTypeSchema xmlns:ct="http://schemas.microsoft.com/office/2006/metadata/contentType" xmlns:ma="http://schemas.microsoft.com/office/2006/metadata/properties/metaAttributes" ct:_="" ma:_="" ma:contentTypeName="Document" ma:contentTypeID="0x01010079F111ED35F8CC479449609E8A0923A6" ma:contentTypeVersion="11" ma:contentTypeDescription="Create a new document." ma:contentTypeScope="" ma:versionID="9677210f24a1be23c92c90fd886aa0aa">
   <xsd:schema xmlns:xsd="http://www.w3.org/2001/XMLSchema" xmlns:xs="http://www.w3.org/2001/XMLSchema" xmlns:p="http://schemas.microsoft.com/office/2006/metadata/properties" xmlns:ns2="71af3243-3dd4-4a8d-8c0d-dd76da1f02a5" xmlns:ns3="16c05727-aa75-4e4a-9b5f-8a80a1165891" targetNamespace="http://schemas.microsoft.com/office/2006/metadata/properties" ma:root="true" ma:fieldsID="60e05723c5c1908df1a1a4ebf11d344e" ns2:_="" ns3:_="">
     <xsd:import namespace="71af3243-3dd4-4a8d-8c0d-dd76da1f02a5"/>
@@ -8827,25 +8765,24 @@
 </ct:contentTypeSchema>
 </file>
 
-<file path=customXml/itemProps1.xml><?xml version="1.0" encoding="utf-8"?>
-<ds:datastoreItem xmlns:ds="http://schemas.openxmlformats.org/officeDocument/2006/customXml" ds:itemID="{F3E96646-423E-4354-94C2-1A28227BF075}">
-  <ds:schemaRefs>
-    <ds:schemaRef ds:uri="http://schemas.microsoft.com/office/2006/metadata/properties"/>
-    <ds:schemaRef ds:uri="http://schemas.microsoft.com/office/infopath/2007/PartnerControls"/>
-    <ds:schemaRef ds:uri="71af3243-3dd4-4a8d-8c0d-dd76da1f02a5"/>
-  </ds:schemaRefs>
-</ds:datastoreItem>
+<file path=customXml/item2.xml><?xml version="1.0" encoding="utf-8"?>
+<?mso-contentType ?>
+<FormTemplates xmlns="http://schemas.microsoft.com/sharepoint/v3/contenttype/forms">
+  <Display>DocumentLibraryForm</Display>
+  <Edit>DocumentLibraryForm</Edit>
+  <New>DocumentLibraryForm</New>
+</FormTemplates>
 </file>
 
-<file path=customXml/itemProps2.xml><?xml version="1.0" encoding="utf-8"?>
-<ds:datastoreItem xmlns:ds="http://schemas.openxmlformats.org/officeDocument/2006/customXml" ds:itemID="{A2F4A21B-80B9-40F1-8308-E0B7F0FE0B09}">
-  <ds:schemaRefs>
-    <ds:schemaRef ds:uri="http://schemas.microsoft.com/sharepoint/v3/contenttype/forms"/>
-  </ds:schemaRefs>
-</ds:datastoreItem>
+<file path=customXml/item3.xml><?xml version="1.0" encoding="utf-8"?>
+<p:properties xmlns:p="http://schemas.microsoft.com/office/2006/metadata/properties" xmlns:xsi="http://www.w3.org/2001/XMLSchema-instance" xmlns:pc="http://schemas.microsoft.com/office/infopath/2007/PartnerControls">
+  <documentManagement>
+    <MediaServiceKeyPoints xmlns="71af3243-3dd4-4a8d-8c0d-dd76da1f02a5" xsi:nil="true"/>
+  </documentManagement>
+</p:properties>
 </file>
 
-<file path=customXml/itemProps3.xml><?xml version="1.0" encoding="utf-8"?>
+<file path=customXml/itemProps1.xml><?xml version="1.0" encoding="utf-8"?>
 <ds:datastoreItem xmlns:ds="http://schemas.openxmlformats.org/officeDocument/2006/customXml" ds:itemID="{0F051B7F-F45F-4FBB-974B-85B568B21B4D}">
   <ds:schemaRefs>
     <ds:schemaRef ds:uri="http://schemas.microsoft.com/office/2006/metadata/contentType"/>
@@ -8862,4 +8799,22 @@
     <ds:schemaRef ds:uri="http://schemas.microsoft.com/internal/obd"/>
   </ds:schemaRefs>
 </ds:datastoreItem>
+</file>
+
+<file path=customXml/itemProps2.xml><?xml version="1.0" encoding="utf-8"?>
+<ds:datastoreItem xmlns:ds="http://schemas.openxmlformats.org/officeDocument/2006/customXml" ds:itemID="{A2F4A21B-80B9-40F1-8308-E0B7F0FE0B09}">
+  <ds:schemaRefs>
+    <ds:schemaRef ds:uri="http://schemas.microsoft.com/sharepoint/v3/contenttype/forms"/>
+  </ds:schemaRefs>
+</ds:datastoreItem>
+</file>
+
+<file path=customXml/itemProps3.xml><?xml version="1.0" encoding="utf-8"?>
+<ds:datastoreItem xmlns:ds="http://schemas.openxmlformats.org/officeDocument/2006/customXml" ds:itemID="{F3E96646-423E-4354-94C2-1A28227BF075}">
+  <ds:schemaRefs>
+    <ds:schemaRef ds:uri="http://schemas.microsoft.com/office/2006/metadata/properties"/>
+    <ds:schemaRef ds:uri="http://schemas.microsoft.com/office/infopath/2007/PartnerControls"/>
+    <ds:schemaRef ds:uri="71af3243-3dd4-4a8d-8c0d-dd76da1f02a5"/>
+  </ds:schemaRefs>
+</ds:datastoreItem>
 </file>
--- a/JustShapes.pptx
+++ b/JustShapes.pptx
@@ -5,17 +5,16 @@
     <p:sldMasterId id="2147483648" r:id="rId4"/>
   </p:sldMasterIdLst>
   <p:notesMasterIdLst>
-    <p:notesMasterId r:id="rId10"/>
+    <p:notesMasterId r:id="rId9"/>
   </p:notesMasterIdLst>
   <p:handoutMasterIdLst>
-    <p:handoutMasterId r:id="rId11"/>
+    <p:handoutMasterId r:id="rId10"/>
   </p:handoutMasterIdLst>
   <p:sldIdLst>
     <p:sldId id="256" r:id="rId5"/>
     <p:sldId id="257" r:id="rId6"/>
     <p:sldId id="260" r:id="rId7"/>
     <p:sldId id="259" r:id="rId8"/>
-    <p:sldId id="258" r:id="rId9"/>
   </p:sldIdLst>
   <p:sldSz cx="12192000" cy="6858000"/>
   <p:notesSz cx="6858000" cy="9144000"/>
@@ -215,7 +214,7 @@
                 <a:latin typeface="Meiryo UI" panose="020B0604030504040204" pitchFamily="50" charset="-128"/>
                 <a:ea typeface="Meiryo UI" panose="020B0604030504040204" pitchFamily="50" charset="-128"/>
               </a:rPr>
-              <a:t>2024/4/23</a:t>
+              <a:t>2024/4/25</a:t>
             </a:fld>
             <a:endParaRPr lang="ja-JP" altLang="en-US" dirty="0">
               <a:latin typeface="Meiryo UI" panose="020B0604030504040204" pitchFamily="50" charset="-128"/>
@@ -401,7 +400,7 @@
             <a:fld id="{B13763E1-5296-48B0-9BE6-12A945122FBD}" type="datetime1">
               <a:rPr lang="ja-JP" altLang="en-US" smtClean="0"/>
               <a:pPr/>
-              <a:t>2024/4/23</a:t>
+              <a:t>2024/4/25</a:t>
             </a:fld>
             <a:endParaRPr lang="ja-JP" altLang="en-US" dirty="0"/>
           </a:p>
@@ -981,7 +980,7 @@
           <a:effectLst/>
           <a:extLst>
             <a:ext uri="{91240B29-F687-4f45-9708-019B960494DF}">
-              <a14:hiddenLine xmlns:a14="http://schemas.microsoft.com/office/drawing/2010/main" xmlns="" w="9525">
+              <a14:hiddenLine xmlns="" xmlns:a14="http://schemas.microsoft.com/office/drawing/2010/main" w="9525">
                 <a:solidFill>
                   <a:srgbClr val="000000"/>
                 </a:solidFill>
@@ -1179,7 +1178,7 @@
           <a:p>
             <a:fld id="{2B0AA6C1-77AE-4F5A-BD42-BD4D88048E81}" type="datetime1">
               <a:rPr lang="ja-JP" altLang="en-US" smtClean="0"/>
-              <a:t>2024/4/23</a:t>
+              <a:t>2024/4/25</a:t>
             </a:fld>
             <a:endParaRPr lang="ja-JP" altLang="en-US" dirty="0"/>
           </a:p>
@@ -1519,7 +1518,7 @@
           <a:p>
             <a:fld id="{88798299-6792-4D5B-A76D-3C8D3AE8FD35}" type="datetime1">
               <a:rPr lang="ja-JP" altLang="en-US" smtClean="0"/>
-              <a:t>2024/4/23</a:t>
+              <a:t>2024/4/25</a:t>
             </a:fld>
             <a:endParaRPr lang="ja-JP" altLang="en-US" dirty="0"/>
           </a:p>
@@ -2022,7 +2021,7 @@
           <a:p>
             <a:fld id="{BD8663F0-5663-457B-9BFD-A8E57C25A13E}" type="datetime1">
               <a:rPr lang="ja-JP" altLang="en-US" smtClean="0"/>
-              <a:t>2024/4/23</a:t>
+              <a:t>2024/4/25</a:t>
             </a:fld>
             <a:endParaRPr lang="ja-JP" altLang="en-US" dirty="0"/>
           </a:p>
@@ -2400,7 +2399,7 @@
           <a:p>
             <a:fld id="{CC67DCCC-5289-443E-8BDD-A9BD523E8E81}" type="datetime1">
               <a:rPr lang="ja-JP" altLang="en-US" smtClean="0"/>
-              <a:t>2024/4/23</a:t>
+              <a:t>2024/4/25</a:t>
             </a:fld>
             <a:endParaRPr lang="ja-JP" altLang="en-US" dirty="0"/>
           </a:p>
@@ -2559,7 +2558,7 @@
           <a:ln/>
           <a:extLst>
             <a:ext uri="{91240B29-F687-4f45-9708-019B960494DF}">
-              <a14:hiddenLine xmlns:a14="http://schemas.microsoft.com/office/drawing/2010/main" xmlns="" w="9525">
+              <a14:hiddenLine xmlns="" xmlns:a14="http://schemas.microsoft.com/office/drawing/2010/main" w="9525">
                 <a:solidFill>
                   <a:srgbClr val="000000"/>
                 </a:solidFill>
@@ -2734,7 +2733,7 @@
           <a:p>
             <a:fld id="{9FCD7CE6-B162-4667-A494-F0DF56539D94}" type="datetime1">
               <a:rPr lang="ja-JP" altLang="en-US" smtClean="0"/>
-              <a:t>2024/4/23</a:t>
+              <a:t>2024/4/25</a:t>
             </a:fld>
             <a:endParaRPr lang="ja-JP" altLang="en-US" dirty="0"/>
           </a:p>
@@ -2895,7 +2894,7 @@
           <a:ln/>
           <a:extLst>
             <a:ext uri="{91240B29-F687-4f45-9708-019B960494DF}">
-              <a14:hiddenLine xmlns:a14="http://schemas.microsoft.com/office/drawing/2010/main" xmlns="" w="9525">
+              <a14:hiddenLine xmlns="" xmlns:a14="http://schemas.microsoft.com/office/drawing/2010/main" w="9525">
                 <a:solidFill>
                   <a:srgbClr val="000000"/>
                 </a:solidFill>
@@ -3080,7 +3079,7 @@
           <a:p>
             <a:fld id="{8C217C89-31EB-47B2-A726-4B805B412C1E}" type="datetime1">
               <a:rPr lang="ja-JP" altLang="en-US" smtClean="0"/>
-              <a:t>2024/4/23</a:t>
+              <a:t>2024/4/25</a:t>
             </a:fld>
             <a:endParaRPr lang="ja-JP" altLang="en-US" dirty="0"/>
           </a:p>
@@ -3239,7 +3238,7 @@
           <a:ln/>
           <a:extLst>
             <a:ext uri="{91240B29-F687-4f45-9708-019B960494DF}">
-              <a14:hiddenLine xmlns:a14="http://schemas.microsoft.com/office/drawing/2010/main" xmlns="" w="9525">
+              <a14:hiddenLine xmlns="" xmlns:a14="http://schemas.microsoft.com/office/drawing/2010/main" w="9525">
                 <a:solidFill>
                   <a:srgbClr val="000000"/>
                 </a:solidFill>
@@ -3424,7 +3423,7 @@
           <a:p>
             <a:fld id="{A8F7EBE1-325C-477D-9587-D9BE5D5777FB}" type="datetime1">
               <a:rPr lang="ja-JP" altLang="en-US" smtClean="0"/>
-              <a:t>2024/4/23</a:t>
+              <a:t>2024/4/25</a:t>
             </a:fld>
             <a:endParaRPr lang="ja-JP" altLang="en-US" dirty="0"/>
           </a:p>
@@ -3776,7 +3775,7 @@
           <a:p>
             <a:fld id="{232C7816-9A1C-45FF-AF52-2C55406A8033}" type="datetime1">
               <a:rPr lang="ja-JP" altLang="en-US" smtClean="0"/>
-              <a:t>2024/4/23</a:t>
+              <a:t>2024/4/25</a:t>
             </a:fld>
             <a:endParaRPr lang="ja-JP" altLang="en-US" dirty="0"/>
           </a:p>
@@ -3935,7 +3934,7 @@
           <a:ln/>
           <a:extLst>
             <a:ext uri="{91240B29-F687-4f45-9708-019B960494DF}">
-              <a14:hiddenLine xmlns:a14="http://schemas.microsoft.com/office/drawing/2010/main" xmlns="" w="9525">
+              <a14:hiddenLine xmlns="" xmlns:a14="http://schemas.microsoft.com/office/drawing/2010/main" w="9525">
                 <a:solidFill>
                   <a:srgbClr val="000000"/>
                 </a:solidFill>
@@ -4224,7 +4223,7 @@
           <a:p>
             <a:fld id="{3CF79418-4E09-400A-A87A-7CA29FE1BA0A}" type="datetime1">
               <a:rPr lang="ja-JP" altLang="en-US" smtClean="0"/>
-              <a:t>2024/4/23</a:t>
+              <a:t>2024/4/25</a:t>
             </a:fld>
             <a:endParaRPr lang="ja-JP" altLang="en-US" dirty="0"/>
           </a:p>
@@ -4383,7 +4382,7 @@
           <a:ln/>
           <a:extLst>
             <a:ext uri="{91240B29-F687-4f45-9708-019B960494DF}">
-              <a14:hiddenLine xmlns:a14="http://schemas.microsoft.com/office/drawing/2010/main" xmlns="" w="9525">
+              <a14:hiddenLine xmlns="" xmlns:a14="http://schemas.microsoft.com/office/drawing/2010/main" w="9525">
                 <a:solidFill>
                   <a:srgbClr val="000000"/>
                 </a:solidFill>
@@ -4806,7 +4805,7 @@
           <a:p>
             <a:fld id="{183BE7EF-DDAF-40EF-9420-BE8671EAFBCE}" type="datetime1">
               <a:rPr lang="ja-JP" altLang="en-US" smtClean="0"/>
-              <a:t>2024/4/23</a:t>
+              <a:t>2024/4/25</a:t>
             </a:fld>
             <a:endParaRPr lang="ja-JP" altLang="en-US" dirty="0"/>
           </a:p>
@@ -4965,7 +4964,7 @@
           <a:ln/>
           <a:extLst>
             <a:ext uri="{91240B29-F687-4f45-9708-019B960494DF}">
-              <a14:hiddenLine xmlns:a14="http://schemas.microsoft.com/office/drawing/2010/main" xmlns="" w="9525">
+              <a14:hiddenLine xmlns="" xmlns:a14="http://schemas.microsoft.com/office/drawing/2010/main" w="9525">
                 <a:solidFill>
                   <a:srgbClr val="000000"/>
                 </a:solidFill>
@@ -5040,7 +5039,7 @@
           <a:p>
             <a:fld id="{4F9340E1-5513-4857-9C78-495E4B1D13E8}" type="datetime1">
               <a:rPr lang="ja-JP" altLang="en-US" smtClean="0"/>
-              <a:t>2024/4/23</a:t>
+              <a:t>2024/4/25</a:t>
             </a:fld>
             <a:endParaRPr lang="ja-JP" altLang="en-US" dirty="0"/>
           </a:p>
@@ -5143,7 +5142,7 @@
           <a:p>
             <a:fld id="{16A39109-F6B1-4EBF-B50C-6B53B0A0C054}" type="datetime1">
               <a:rPr lang="ja-JP" altLang="en-US" smtClean="0"/>
-              <a:t>2024/4/23</a:t>
+              <a:t>2024/4/25</a:t>
             </a:fld>
             <a:endParaRPr lang="ja-JP" altLang="en-US" dirty="0"/>
           </a:p>
@@ -5415,7 +5414,7 @@
           <a:ln/>
           <a:extLst>
             <a:ext uri="{91240B29-F687-4f45-9708-019B960494DF}">
-              <a14:hiddenLine xmlns:a14="http://schemas.microsoft.com/office/drawing/2010/main" xmlns="" w="9525">
+              <a14:hiddenLine xmlns="" xmlns:a14="http://schemas.microsoft.com/office/drawing/2010/main" w="9525">
                 <a:solidFill>
                   <a:srgbClr val="000000"/>
                 </a:solidFill>
@@ -5667,7 +5666,7 @@
           <a:p>
             <a:fld id="{242A96CE-1A1F-492E-BDA8-59E574C2008F}" type="datetime1">
               <a:rPr lang="ja-JP" altLang="en-US" smtClean="0"/>
-              <a:t>2024/4/23</a:t>
+              <a:t>2024/4/25</a:t>
             </a:fld>
             <a:endParaRPr lang="ja-JP" altLang="en-US" dirty="0"/>
           </a:p>
@@ -5990,7 +5989,7 @@
           <a:p>
             <a:fld id="{612317B4-A6B2-4344-B599-70404FC08E17}" type="datetime1">
               <a:rPr lang="ja-JP" altLang="en-US" smtClean="0"/>
-              <a:t>2024/4/23</a:t>
+              <a:t>2024/4/25</a:t>
             </a:fld>
             <a:endParaRPr lang="ja-JP" altLang="en-US" dirty="0"/>
           </a:p>
@@ -6299,7 +6298,7 @@
           <a:p>
             <a:fld id="{569AE711-0B1B-4D1A-A937-A12854DA6260}" type="datetime1">
               <a:rPr lang="ja-JP" altLang="en-US" noProof="0" smtClean="0"/>
-              <a:t>2024/4/23</a:t>
+              <a:t>2024/4/25</a:t>
             </a:fld>
             <a:endParaRPr lang="ja-JP" altLang="en-US" noProof="0" dirty="0"/>
           </a:p>
@@ -7034,7 +7033,7 @@
           <a:effectLst/>
           <a:extLst>
             <a:ext uri="{91240B29-F687-4f45-9708-019B960494DF}">
-              <a14:hiddenLine xmlns:p14="http://schemas.microsoft.com/office/powerpoint/2010/main" xmlns:a16="http://schemas.microsoft.com/office/drawing/2014/main" xmlns:a14="http://schemas.microsoft.com/office/drawing/2010/main" xmlns="" w="9525">
+              <a14:hiddenLine xmlns="" xmlns:a14="http://schemas.microsoft.com/office/drawing/2010/main" xmlns:a16="http://schemas.microsoft.com/office/drawing/2014/main" xmlns:p14="http://schemas.microsoft.com/office/powerpoint/2010/main" w="9525">
                 <a:solidFill>
                   <a:srgbClr val="000000"/>
                 </a:solidFill>
@@ -7059,6 +7058,13 @@
             <a:schemeClr val="lt1"/>
           </a:fontRef>
         </p:style>
+        <p:txBody>
+          <a:bodyPr/>
+          <a:lstStyle/>
+          <a:p>
+            <a:endParaRPr lang="ja-JP" altLang="en-US"/>
+          </a:p>
+        </p:txBody>
       </p:sp>
       <p:sp>
         <p:nvSpPr>
@@ -7266,8 +7272,11 @@
           <a:lstStyle/>
           <a:p>
             <a:r>
-              <a:rPr lang="ja-JP" altLang="en-US" dirty="0"/>
-              <a:t>音楽に乗って弾幕を避けよう！</a:t>
+              <a:rPr lang="ja-JP" altLang="en-US" dirty="0">
+                <a:latin typeface="Meiryo UI" panose="020B0604030504040204" pitchFamily="50" charset="-128"/>
+                <a:ea typeface="Meiryo UI" panose="020B0604030504040204" pitchFamily="50" charset="-128"/>
+              </a:rPr>
+              <a:t>ゲーム内容</a:t>
             </a:r>
             <a:endParaRPr lang="en-US" altLang="ja-JP" dirty="0">
               <a:latin typeface="Meiryo UI" panose="020B0604030504040204" pitchFamily="50" charset="-128"/>
@@ -7294,8 +7303,8 @@
         </p:nvSpPr>
         <p:spPr>
           <a:xfrm>
-            <a:off x="429658" y="2222288"/>
-            <a:ext cx="10943628" cy="2442846"/>
+            <a:off x="300789" y="3064498"/>
+            <a:ext cx="11072497" cy="2283539"/>
           </a:xfrm>
         </p:spPr>
         <p:txBody>
@@ -7308,26 +7317,56 @@
               <a:buNone/>
             </a:pPr>
             <a:r>
-              <a:rPr lang="en-US" altLang="ja-JP" sz="2400" dirty="0"/>
-              <a:t>BGM</a:t>
-            </a:r>
-            <a:r>
-              <a:rPr lang="ja-JP" altLang="en-US" sz="2400" dirty="0"/>
-              <a:t>のリズムに合わせて</a:t>
-            </a:r>
-            <a:endParaRPr lang="en-US" altLang="ja-JP" sz="2400" dirty="0"/>
+              <a:rPr lang="ja-JP" altLang="en-US" sz="2800" dirty="0">
+                <a:solidFill>
+                  <a:srgbClr val="00FFFF"/>
+                </a:solidFill>
+              </a:rPr>
+              <a:t>プレイヤー</a:t>
+            </a:r>
+            <a:r>
+              <a:rPr lang="ja-JP" altLang="en-US" sz="2000" dirty="0"/>
+              <a:t>を操作して</a:t>
+            </a:r>
+            <a:endParaRPr lang="en-US" altLang="ja-JP" sz="2000" dirty="0"/>
           </a:p>
           <a:p>
             <a:pPr marL="0" indent="0">
               <a:buNone/>
             </a:pPr>
             <a:r>
-              <a:rPr lang="en-US" altLang="ja-JP" sz="2400" dirty="0"/>
-              <a:t>		</a:t>
-            </a:r>
-            <a:r>
-              <a:rPr lang="ja-JP" altLang="en-US" sz="2400" dirty="0"/>
-              <a:t>出てくる敵を避け続けよう！</a:t>
+              <a:rPr lang="en-US" altLang="ja-JP" sz="2000" dirty="0"/>
+              <a:t>BGM</a:t>
+            </a:r>
+            <a:r>
+              <a:rPr lang="ja-JP" altLang="en-US" sz="2000" dirty="0"/>
+              <a:t>のリズムに合わせて出てくる</a:t>
+            </a:r>
+            <a:r>
+              <a:rPr lang="ja-JP" altLang="en-US" sz="2800" dirty="0">
+                <a:solidFill>
+                  <a:srgbClr val="FF00FF"/>
+                </a:solidFill>
+              </a:rPr>
+              <a:t>敵</a:t>
+            </a:r>
+            <a:r>
+              <a:rPr lang="ja-JP" altLang="en-US" sz="2000" dirty="0"/>
+              <a:t>を</a:t>
+            </a:r>
+            <a:endParaRPr lang="en-US" altLang="ja-JP" sz="2000" dirty="0"/>
+          </a:p>
+          <a:p>
+            <a:pPr marL="0" indent="0">
+              <a:buNone/>
+            </a:pPr>
+            <a:r>
+              <a:rPr lang="en-US" altLang="ja-JP" sz="2000" dirty="0"/>
+              <a:t>							</a:t>
+            </a:r>
+            <a:r>
+              <a:rPr lang="ja-JP" altLang="en-US" sz="2000" dirty="0"/>
+              <a:t>避け続けよう！</a:t>
             </a:r>
           </a:p>
         </p:txBody>
@@ -7354,8 +7393,8 @@
         </p:blipFill>
         <p:spPr>
           <a:xfrm>
-            <a:off x="4836952" y="2602619"/>
-            <a:ext cx="6925390" cy="3890344"/>
+            <a:off x="5594684" y="2743686"/>
+            <a:ext cx="5710458" cy="3207855"/>
           </a:xfrm>
           <a:prstGeom prst="rect">
             <a:avLst/>
@@ -7413,6 +7452,13 @@
           <a:bodyPr/>
           <a:lstStyle/>
           <a:p>
+            <a:r>
+              <a:rPr lang="ja-JP" altLang="en-US" dirty="0">
+                <a:latin typeface="Meiryo UI" panose="020B0604030504040204" pitchFamily="50" charset="-128"/>
+                <a:ea typeface="Meiryo UI" panose="020B0604030504040204" pitchFamily="50" charset="-128"/>
+              </a:rPr>
+              <a:t>ゲーム内容</a:t>
+            </a:r>
             <a:endParaRPr kumimoji="1" lang="ja-JP" altLang="en-US" dirty="0"/>
           </a:p>
         </p:txBody>
@@ -7435,34 +7481,227 @@
         </p:nvSpPr>
         <p:spPr/>
         <p:txBody>
-          <a:bodyPr/>
+          <a:bodyPr>
+            <a:normAutofit/>
+          </a:bodyPr>
           <a:lstStyle/>
           <a:p>
             <a:pPr marL="0" indent="0">
               <a:buNone/>
             </a:pPr>
             <a:r>
-              <a:rPr lang="ja-JP" altLang="en-US" dirty="0"/>
+              <a:rPr lang="ja-JP" altLang="en-US" sz="2800" dirty="0"/>
               <a:t>ダッシュを使うと</a:t>
             </a:r>
-            <a:endParaRPr lang="en-US" altLang="ja-JP" dirty="0"/>
+            <a:endParaRPr lang="en-US" altLang="ja-JP" sz="2800" dirty="0"/>
           </a:p>
           <a:p>
             <a:pPr marL="0" indent="0">
               <a:buNone/>
             </a:pPr>
             <a:r>
-              <a:rPr lang="ja-JP" altLang="en-US" dirty="0"/>
-              <a:t>ダッシュ中だけ無敵に</a:t>
-            </a:r>
-            <a:r>
-              <a:rPr lang="ja-JP" altLang="en-US"/>
-              <a:t>なる！</a:t>
-            </a:r>
-            <a:endParaRPr lang="en-US" altLang="ja-JP"/>
-          </a:p>
-        </p:txBody>
-      </p:sp>
+              <a:rPr lang="ja-JP" altLang="en-US" sz="2800" dirty="0"/>
+              <a:t>  ダッシュ中だけ</a:t>
+            </a:r>
+            <a:r>
+              <a:rPr lang="ja-JP" altLang="en-US" sz="2800" dirty="0">
+                <a:solidFill>
+                  <a:srgbClr val="00FFFF"/>
+                </a:solidFill>
+              </a:rPr>
+              <a:t>無敵</a:t>
+            </a:r>
+            <a:r>
+              <a:rPr lang="ja-JP" altLang="en-US" sz="2800" dirty="0"/>
+              <a:t>になる！</a:t>
+            </a:r>
+            <a:endParaRPr lang="en-US" altLang="ja-JP" sz="2800" dirty="0"/>
+          </a:p>
+        </p:txBody>
+      </p:sp>
+      <p:pic>
+        <p:nvPicPr>
+          <p:cNvPr id="4" name="図 3">
+            <a:extLst>
+              <a:ext uri="{FF2B5EF4-FFF2-40B4-BE49-F238E27FC236}">
+                <a16:creationId xmlns:a16="http://schemas.microsoft.com/office/drawing/2014/main" id="{42490274-8EFC-9283-4B2B-BB365E2EE524}"/>
+              </a:ext>
+            </a:extLst>
+          </p:cNvPr>
+          <p:cNvPicPr>
+            <a:picLocks noChangeAspect="1"/>
+          </p:cNvPicPr>
+          <p:nvPr/>
+        </p:nvPicPr>
+        <p:blipFill>
+          <a:blip r:embed="rId2"/>
+          <a:stretch>
+            <a:fillRect/>
+          </a:stretch>
+        </p:blipFill>
+        <p:spPr>
+          <a:xfrm>
+            <a:off x="9113922" y="4112189"/>
+            <a:ext cx="406349" cy="406349"/>
+          </a:xfrm>
+          <a:prstGeom prst="rect">
+            <a:avLst/>
+          </a:prstGeom>
+        </p:spPr>
+      </p:pic>
+      <p:sp>
+        <p:nvSpPr>
+          <p:cNvPr id="5" name="正方形/長方形 4">
+            <a:extLst>
+              <a:ext uri="{FF2B5EF4-FFF2-40B4-BE49-F238E27FC236}">
+                <a16:creationId xmlns:a16="http://schemas.microsoft.com/office/drawing/2014/main" id="{E8FFEA69-0AD8-1814-917D-AD0F840FF021}"/>
+              </a:ext>
+            </a:extLst>
+          </p:cNvPr>
+          <p:cNvSpPr/>
+          <p:nvPr/>
+        </p:nvSpPr>
+        <p:spPr>
+          <a:xfrm>
+            <a:off x="7533811" y="1896336"/>
+            <a:ext cx="968542" cy="4969042"/>
+          </a:xfrm>
+          <a:prstGeom prst="rect">
+            <a:avLst/>
+          </a:prstGeom>
+          <a:solidFill>
+            <a:srgbClr val="FF00FF"/>
+          </a:solidFill>
+          <a:ln>
+            <a:noFill/>
+          </a:ln>
+        </p:spPr>
+        <p:style>
+          <a:lnRef idx="2">
+            <a:schemeClr val="accent1">
+              <a:shade val="15000"/>
+            </a:schemeClr>
+          </a:lnRef>
+          <a:fillRef idx="1">
+            <a:schemeClr val="accent1"/>
+          </a:fillRef>
+          <a:effectRef idx="0">
+            <a:schemeClr val="accent1"/>
+          </a:effectRef>
+          <a:fontRef idx="minor">
+            <a:schemeClr val="lt1"/>
+          </a:fontRef>
+        </p:style>
+        <p:txBody>
+          <a:bodyPr rtlCol="0" anchor="ctr"/>
+          <a:lstStyle/>
+          <a:p>
+            <a:pPr algn="ctr"/>
+            <a:endParaRPr kumimoji="1" lang="ja-JP" altLang="en-US"/>
+          </a:p>
+        </p:txBody>
+      </p:sp>
+      <p:sp>
+        <p:nvSpPr>
+          <p:cNvPr id="11" name="正方形/長方形 10">
+            <a:extLst>
+              <a:ext uri="{FF2B5EF4-FFF2-40B4-BE49-F238E27FC236}">
+                <a16:creationId xmlns:a16="http://schemas.microsoft.com/office/drawing/2014/main" id="{2BBBE463-23FF-09F1-AD3D-B0187A44E488}"/>
+              </a:ext>
+            </a:extLst>
+          </p:cNvPr>
+          <p:cNvSpPr/>
+          <p:nvPr/>
+        </p:nvSpPr>
+        <p:spPr>
+          <a:xfrm>
+            <a:off x="6463739" y="4112188"/>
+            <a:ext cx="406349" cy="406349"/>
+          </a:xfrm>
+          <a:prstGeom prst="rect">
+            <a:avLst/>
+          </a:prstGeom>
+          <a:solidFill>
+            <a:schemeClr val="accent1">
+              <a:lumMod val="50000"/>
+            </a:schemeClr>
+          </a:solidFill>
+          <a:ln>
+            <a:solidFill>
+              <a:schemeClr val="accent1">
+                <a:lumMod val="75000"/>
+              </a:schemeClr>
+            </a:solidFill>
+            <a:prstDash val="sysDash"/>
+          </a:ln>
+        </p:spPr>
+        <p:style>
+          <a:lnRef idx="2">
+            <a:schemeClr val="accent1">
+              <a:shade val="15000"/>
+            </a:schemeClr>
+          </a:lnRef>
+          <a:fillRef idx="1">
+            <a:schemeClr val="accent1"/>
+          </a:fillRef>
+          <a:effectRef idx="0">
+            <a:schemeClr val="accent1"/>
+          </a:effectRef>
+          <a:fontRef idx="minor">
+            <a:schemeClr val="lt1"/>
+          </a:fontRef>
+        </p:style>
+        <p:txBody>
+          <a:bodyPr rtlCol="0" anchor="ctr"/>
+          <a:lstStyle/>
+          <a:p>
+            <a:pPr algn="ctr"/>
+            <a:endParaRPr kumimoji="1" lang="ja-JP" altLang="en-US"/>
+          </a:p>
+        </p:txBody>
+      </p:sp>
+      <p:cxnSp>
+        <p:nvCxnSpPr>
+          <p:cNvPr id="13" name="直線矢印コネクタ 12">
+            <a:extLst>
+              <a:ext uri="{FF2B5EF4-FFF2-40B4-BE49-F238E27FC236}">
+                <a16:creationId xmlns:a16="http://schemas.microsoft.com/office/drawing/2014/main" id="{390C0AF2-04F1-1AFD-60EB-80DCF347FD8C}"/>
+              </a:ext>
+            </a:extLst>
+          </p:cNvPr>
+          <p:cNvCxnSpPr>
+            <a:stCxn id="11" idx="3"/>
+            <a:endCxn id="4" idx="1"/>
+          </p:cNvCxnSpPr>
+          <p:nvPr/>
+        </p:nvCxnSpPr>
+        <p:spPr>
+          <a:xfrm>
+            <a:off x="6870088" y="4315363"/>
+            <a:ext cx="2243834" cy="1"/>
+          </a:xfrm>
+          <a:prstGeom prst="straightConnector1">
+            <a:avLst/>
+          </a:prstGeom>
+          <a:ln>
+            <a:tailEnd type="triangle"/>
+          </a:ln>
+        </p:spPr>
+        <p:style>
+          <a:lnRef idx="1">
+            <a:schemeClr val="accent1"/>
+          </a:lnRef>
+          <a:fillRef idx="0">
+            <a:schemeClr val="accent1"/>
+          </a:fillRef>
+          <a:effectRef idx="0">
+            <a:schemeClr val="accent1"/>
+          </a:effectRef>
+          <a:fontRef idx="minor">
+            <a:schemeClr val="tx1"/>
+          </a:fontRef>
+        </p:style>
+      </p:cxnSp>
     </p:spTree>
     <p:extLst>
       <p:ext uri="{BB962C8B-B14F-4D97-AF65-F5344CB8AC3E}">
@@ -7514,6 +7753,13 @@
           <a:bodyPr/>
           <a:lstStyle/>
           <a:p>
+            <a:r>
+              <a:rPr lang="ja-JP" altLang="en-US" dirty="0">
+                <a:latin typeface="Meiryo UI" panose="020B0604030504040204" pitchFamily="50" charset="-128"/>
+                <a:ea typeface="Meiryo UI" panose="020B0604030504040204" pitchFamily="50" charset="-128"/>
+              </a:rPr>
+              <a:t>ゲーム内容</a:t>
+            </a:r>
             <a:endParaRPr kumimoji="1" lang="ja-JP" altLang="en-US" dirty="0"/>
           </a:p>
         </p:txBody>
@@ -7534,12 +7780,285 @@
             <p:ph idx="1"/>
           </p:nvPr>
         </p:nvSpPr>
-        <p:spPr/>
-        <p:txBody>
-          <a:bodyPr/>
+        <p:spPr>
+          <a:xfrm>
+            <a:off x="559468" y="2222287"/>
+            <a:ext cx="5263816" cy="3636511"/>
+          </a:xfrm>
+        </p:spPr>
+        <p:txBody>
+          <a:bodyPr>
+            <a:normAutofit/>
+          </a:bodyPr>
           <a:lstStyle/>
           <a:p>
-            <a:endParaRPr kumimoji="1" lang="ja-JP" altLang="en-US" dirty="0"/>
+            <a:pPr marL="0" indent="0">
+              <a:buNone/>
+            </a:pPr>
+            <a:r>
+              <a:rPr kumimoji="1" lang="en-US" altLang="ja-JP" sz="2400" dirty="0"/>
+              <a:t>BGM</a:t>
+            </a:r>
+            <a:r>
+              <a:rPr kumimoji="1" lang="ja-JP" altLang="en-US" sz="2400" dirty="0"/>
+              <a:t>が終わるまでよけ続ける</a:t>
+            </a:r>
+            <a:r>
+              <a:rPr kumimoji="1" lang="ja-JP" altLang="en-US" sz="2000" dirty="0"/>
+              <a:t>と</a:t>
+            </a:r>
+            <a:r>
+              <a:rPr kumimoji="1" lang="ja-JP" altLang="en-US" sz="2400" dirty="0"/>
+              <a:t>クリア！</a:t>
+            </a:r>
+            <a:endParaRPr kumimoji="1" lang="en-US" altLang="ja-JP" sz="2400" dirty="0"/>
+          </a:p>
+          <a:p>
+            <a:pPr marL="0" indent="0">
+              <a:buNone/>
+            </a:pPr>
+            <a:r>
+              <a:rPr kumimoji="1" lang="ja-JP" altLang="en-US" sz="2000" dirty="0">
+                <a:solidFill>
+                  <a:srgbClr val="FF00FF"/>
+                </a:solidFill>
+              </a:rPr>
+              <a:t>敵</a:t>
+            </a:r>
+            <a:r>
+              <a:rPr kumimoji="1" lang="ja-JP" altLang="en-US" sz="2000" dirty="0"/>
+              <a:t>に</a:t>
+            </a:r>
+            <a:r>
+              <a:rPr kumimoji="1" lang="ja-JP" altLang="en-US" sz="2400" u="sng" dirty="0"/>
+              <a:t>４回</a:t>
+            </a:r>
+            <a:r>
+              <a:rPr kumimoji="1" lang="ja-JP" altLang="en-US" sz="2000" dirty="0"/>
+              <a:t>当たると</a:t>
+            </a:r>
+            <a:r>
+              <a:rPr kumimoji="1" lang="ja-JP" altLang="en-US" sz="2400" dirty="0"/>
+              <a:t>ゲームオーバー</a:t>
+            </a:r>
+            <a:r>
+              <a:rPr kumimoji="1" lang="en-US" altLang="ja-JP" sz="2400" dirty="0"/>
+              <a:t>...</a:t>
+            </a:r>
+            <a:endParaRPr kumimoji="1" lang="ja-JP" altLang="en-US" sz="2000" dirty="0"/>
+          </a:p>
+        </p:txBody>
+      </p:sp>
+      <p:pic>
+        <p:nvPicPr>
+          <p:cNvPr id="9" name="図 8">
+            <a:extLst>
+              <a:ext uri="{FF2B5EF4-FFF2-40B4-BE49-F238E27FC236}">
+                <a16:creationId xmlns:a16="http://schemas.microsoft.com/office/drawing/2014/main" id="{9ADA3178-CAEA-7513-7C99-6E0A3D258903}"/>
+              </a:ext>
+            </a:extLst>
+          </p:cNvPr>
+          <p:cNvPicPr>
+            <a:picLocks noChangeAspect="1"/>
+          </p:cNvPicPr>
+          <p:nvPr/>
+        </p:nvPicPr>
+        <p:blipFill>
+          <a:blip r:embed="rId2"/>
+          <a:stretch>
+            <a:fillRect/>
+          </a:stretch>
+        </p:blipFill>
+        <p:spPr>
+          <a:xfrm>
+            <a:off x="6249229" y="3785150"/>
+            <a:ext cx="522155" cy="522155"/>
+          </a:xfrm>
+          <a:prstGeom prst="rect">
+            <a:avLst/>
+          </a:prstGeom>
+        </p:spPr>
+      </p:pic>
+      <p:cxnSp>
+        <p:nvCxnSpPr>
+          <p:cNvPr id="14" name="直線矢印コネクタ 13">
+            <a:extLst>
+              <a:ext uri="{FF2B5EF4-FFF2-40B4-BE49-F238E27FC236}">
+                <a16:creationId xmlns:a16="http://schemas.microsoft.com/office/drawing/2014/main" id="{E1D14644-BE63-4239-D5CF-8C5761F5D89A}"/>
+              </a:ext>
+            </a:extLst>
+          </p:cNvPr>
+          <p:cNvCxnSpPr>
+            <a:cxnSpLocks/>
+            <a:stCxn id="9" idx="3"/>
+            <a:endCxn id="16" idx="1"/>
+          </p:cNvCxnSpPr>
+          <p:nvPr/>
+        </p:nvCxnSpPr>
+        <p:spPr>
+          <a:xfrm flipV="1">
+            <a:off x="6771384" y="4040542"/>
+            <a:ext cx="4165193" cy="5686"/>
+          </a:xfrm>
+          <a:prstGeom prst="straightConnector1">
+            <a:avLst/>
+          </a:prstGeom>
+          <a:ln>
+            <a:tailEnd type="triangle"/>
+          </a:ln>
+        </p:spPr>
+        <p:style>
+          <a:lnRef idx="1">
+            <a:schemeClr val="accent1"/>
+          </a:lnRef>
+          <a:fillRef idx="0">
+            <a:schemeClr val="accent1"/>
+          </a:fillRef>
+          <a:effectRef idx="0">
+            <a:schemeClr val="accent1"/>
+          </a:effectRef>
+          <a:fontRef idx="minor">
+            <a:schemeClr val="tx1"/>
+          </a:fontRef>
+        </p:style>
+      </p:cxnSp>
+      <p:pic>
+        <p:nvPicPr>
+          <p:cNvPr id="11" name="図 10">
+            <a:extLst>
+              <a:ext uri="{FF2B5EF4-FFF2-40B4-BE49-F238E27FC236}">
+                <a16:creationId xmlns:a16="http://schemas.microsoft.com/office/drawing/2014/main" id="{9CEB1CF1-259D-5EBA-8349-E9F9F4CDAF85}"/>
+              </a:ext>
+            </a:extLst>
+          </p:cNvPr>
+          <p:cNvPicPr>
+            <a:picLocks noChangeAspect="1"/>
+          </p:cNvPicPr>
+          <p:nvPr/>
+        </p:nvPicPr>
+        <p:blipFill>
+          <a:blip r:embed="rId3"/>
+          <a:stretch>
+            <a:fillRect/>
+          </a:stretch>
+        </p:blipFill>
+        <p:spPr>
+          <a:xfrm>
+            <a:off x="7421066" y="3785150"/>
+            <a:ext cx="522155" cy="522155"/>
+          </a:xfrm>
+          <a:prstGeom prst="rect">
+            <a:avLst/>
+          </a:prstGeom>
+        </p:spPr>
+      </p:pic>
+      <p:pic>
+        <p:nvPicPr>
+          <p:cNvPr id="5" name="図 4">
+            <a:extLst>
+              <a:ext uri="{FF2B5EF4-FFF2-40B4-BE49-F238E27FC236}">
+                <a16:creationId xmlns:a16="http://schemas.microsoft.com/office/drawing/2014/main" id="{22C38ABC-1C4B-34D7-3F6B-C5569804DA18}"/>
+              </a:ext>
+            </a:extLst>
+          </p:cNvPr>
+          <p:cNvPicPr>
+            <a:picLocks noChangeAspect="1"/>
+          </p:cNvPicPr>
+          <p:nvPr/>
+        </p:nvPicPr>
+        <p:blipFill>
+          <a:blip r:embed="rId4"/>
+          <a:stretch>
+            <a:fillRect/>
+          </a:stretch>
+        </p:blipFill>
+        <p:spPr>
+          <a:xfrm>
+            <a:off x="8592903" y="3785150"/>
+            <a:ext cx="522155" cy="522155"/>
+          </a:xfrm>
+          <a:prstGeom prst="rect">
+            <a:avLst/>
+          </a:prstGeom>
+        </p:spPr>
+      </p:pic>
+      <p:pic>
+        <p:nvPicPr>
+          <p:cNvPr id="7" name="図 6">
+            <a:extLst>
+              <a:ext uri="{FF2B5EF4-FFF2-40B4-BE49-F238E27FC236}">
+                <a16:creationId xmlns:a16="http://schemas.microsoft.com/office/drawing/2014/main" id="{43EC60AC-5AC1-B079-CA01-77C15272622A}"/>
+              </a:ext>
+            </a:extLst>
+          </p:cNvPr>
+          <p:cNvPicPr>
+            <a:picLocks noChangeAspect="1"/>
+          </p:cNvPicPr>
+          <p:nvPr/>
+        </p:nvPicPr>
+        <p:blipFill>
+          <a:blip r:embed="rId5"/>
+          <a:stretch>
+            <a:fillRect/>
+          </a:stretch>
+        </p:blipFill>
+        <p:spPr>
+          <a:xfrm>
+            <a:off x="9764740" y="3779464"/>
+            <a:ext cx="522155" cy="522155"/>
+          </a:xfrm>
+          <a:prstGeom prst="rect">
+            <a:avLst/>
+          </a:prstGeom>
+        </p:spPr>
+      </p:pic>
+      <p:sp>
+        <p:nvSpPr>
+          <p:cNvPr id="16" name="正方形/長方形 15">
+            <a:extLst>
+              <a:ext uri="{FF2B5EF4-FFF2-40B4-BE49-F238E27FC236}">
+                <a16:creationId xmlns:a16="http://schemas.microsoft.com/office/drawing/2014/main" id="{ECAC4D94-4C9B-96E8-B858-CCD7245CBEE8}"/>
+              </a:ext>
+            </a:extLst>
+          </p:cNvPr>
+          <p:cNvSpPr/>
+          <p:nvPr/>
+        </p:nvSpPr>
+        <p:spPr>
+          <a:xfrm>
+            <a:off x="10936577" y="3779464"/>
+            <a:ext cx="522155" cy="522155"/>
+          </a:xfrm>
+          <a:prstGeom prst="rect">
+            <a:avLst/>
+          </a:prstGeom>
+          <a:noFill/>
+          <a:ln w="28575">
+            <a:prstDash val="sysDash"/>
+          </a:ln>
+        </p:spPr>
+        <p:style>
+          <a:lnRef idx="2">
+            <a:schemeClr val="accent1">
+              <a:shade val="15000"/>
+            </a:schemeClr>
+          </a:lnRef>
+          <a:fillRef idx="1">
+            <a:schemeClr val="accent1"/>
+          </a:fillRef>
+          <a:effectRef idx="0">
+            <a:schemeClr val="accent1"/>
+          </a:effectRef>
+          <a:fontRef idx="minor">
+            <a:schemeClr val="lt1"/>
+          </a:fontRef>
+        </p:style>
+        <p:txBody>
+          <a:bodyPr rtlCol="0" anchor="ctr"/>
+          <a:lstStyle/>
+          <a:p>
+            <a:pPr algn="ctr"/>
+            <a:endParaRPr kumimoji="1" lang="ja-JP" altLang="en-US"/>
           </a:p>
         </p:txBody>
       </p:sp>
@@ -7547,211 +8066,6 @@
     <p:extLst>
       <p:ext uri="{BB962C8B-B14F-4D97-AF65-F5344CB8AC3E}">
         <p14:creationId xmlns:p14="http://schemas.microsoft.com/office/powerpoint/2010/main" val="31807981"/>
-      </p:ext>
-    </p:extLst>
-  </p:cSld>
-  <p:clrMapOvr>
-    <a:masterClrMapping/>
-  </p:clrMapOvr>
-</p:sld>
-</file>
-
-<file path=ppt/slides/slide5.xml><?xml version="1.0" encoding="utf-8"?>
-<p:sld xmlns:a="http://schemas.openxmlformats.org/drawingml/2006/main" xmlns:r="http://schemas.openxmlformats.org/officeDocument/2006/relationships" xmlns:p="http://schemas.openxmlformats.org/presentationml/2006/main" show="0">
-  <p:cSld>
-    <p:spTree>
-      <p:nvGrpSpPr>
-        <p:cNvPr id="1" name=""/>
-        <p:cNvGrpSpPr/>
-        <p:nvPr/>
-      </p:nvGrpSpPr>
-      <p:grpSpPr>
-        <a:xfrm>
-          <a:off x="0" y="0"/>
-          <a:ext cx="0" cy="0"/>
-          <a:chOff x="0" y="0"/>
-          <a:chExt cx="0" cy="0"/>
-        </a:xfrm>
-      </p:grpSpPr>
-      <p:sp>
-        <p:nvSpPr>
-          <p:cNvPr id="2" name="タイトル 1">
-            <a:extLst>
-              <a:ext uri="{FF2B5EF4-FFF2-40B4-BE49-F238E27FC236}">
-                <a16:creationId xmlns:a16="http://schemas.microsoft.com/office/drawing/2014/main" id="{87A12EBA-A716-4897-8DEE-7CECF5BB4CD9}"/>
-              </a:ext>
-            </a:extLst>
-          </p:cNvPr>
-          <p:cNvSpPr>
-            <a:spLocks noGrp="1"/>
-          </p:cNvSpPr>
-          <p:nvPr>
-            <p:ph type="title"/>
-          </p:nvPr>
-        </p:nvSpPr>
-        <p:spPr/>
-        <p:txBody>
-          <a:bodyPr/>
-          <a:lstStyle/>
-          <a:p>
-            <a:r>
-              <a:rPr lang="ja-JP" altLang="en-US" dirty="0"/>
-              <a:t>制作のコンセプト</a:t>
-            </a:r>
-            <a:endParaRPr kumimoji="1" lang="ja-JP" altLang="en-US" dirty="0"/>
-          </a:p>
-        </p:txBody>
-      </p:sp>
-      <p:sp>
-        <p:nvSpPr>
-          <p:cNvPr id="3" name="コンテンツ プレースホルダー 2">
-            <a:extLst>
-              <a:ext uri="{FF2B5EF4-FFF2-40B4-BE49-F238E27FC236}">
-                <a16:creationId xmlns:a16="http://schemas.microsoft.com/office/drawing/2014/main" id="{3F860F50-3BF5-4F3A-B274-78D69FCF94A0}"/>
-              </a:ext>
-            </a:extLst>
-          </p:cNvPr>
-          <p:cNvSpPr>
-            <a:spLocks noGrp="1"/>
-          </p:cNvSpPr>
-          <p:nvPr>
-            <p:ph idx="1"/>
-          </p:nvPr>
-        </p:nvSpPr>
-        <p:spPr>
-          <a:xfrm>
-            <a:off x="818712" y="2222287"/>
-            <a:ext cx="10554574" cy="4188525"/>
-          </a:xfrm>
-        </p:spPr>
-        <p:txBody>
-          <a:bodyPr>
-            <a:normAutofit fontScale="92500" lnSpcReduction="10000"/>
-          </a:bodyPr>
-          <a:lstStyle/>
-          <a:p>
-            <a:pPr marL="0" indent="0">
-              <a:buNone/>
-            </a:pPr>
-            <a:r>
-              <a:rPr lang="ja-JP" altLang="en-US" sz="2400" dirty="0"/>
-              <a:t>・</a:t>
-            </a:r>
-            <a:r>
-              <a:rPr kumimoji="1" lang="ja-JP" altLang="en-US" sz="2400" dirty="0"/>
-              <a:t>目的</a:t>
-            </a:r>
-            <a:endParaRPr kumimoji="1" lang="en-US" altLang="ja-JP" sz="2400" dirty="0"/>
-          </a:p>
-          <a:p>
-            <a:pPr marL="0" indent="0">
-              <a:buNone/>
-            </a:pPr>
-            <a:r>
-              <a:rPr lang="ja-JP" altLang="en-US" sz="2400" dirty="0"/>
-              <a:t>当たり判定や、図形を動かすための数学など制作に必要な知識の習得</a:t>
-            </a:r>
-            <a:endParaRPr lang="en-US" altLang="ja-JP" sz="2400" dirty="0"/>
-          </a:p>
-          <a:p>
-            <a:pPr marL="0" indent="0">
-              <a:buNone/>
-            </a:pPr>
-            <a:r>
-              <a:rPr kumimoji="1" lang="en-US" altLang="ja-JP" sz="2400" dirty="0"/>
-              <a:t>UI</a:t>
-            </a:r>
-            <a:r>
-              <a:rPr kumimoji="1" lang="ja-JP" altLang="en-US" sz="2400" dirty="0"/>
-              <a:t>やグラフィックなどのゲーム画面の見た目の勉強</a:t>
-            </a:r>
-            <a:endParaRPr kumimoji="1" lang="en-US" altLang="ja-JP" sz="2400" dirty="0"/>
-          </a:p>
-          <a:p>
-            <a:pPr marL="0" indent="0">
-              <a:buNone/>
-            </a:pPr>
-            <a:endParaRPr lang="en-US" altLang="ja-JP" sz="2400" dirty="0"/>
-          </a:p>
-          <a:p>
-            <a:pPr marL="0" indent="0">
-              <a:buNone/>
-            </a:pPr>
-            <a:r>
-              <a:rPr lang="ja-JP" altLang="en-US" sz="2400" dirty="0"/>
-              <a:t>・期間</a:t>
-            </a:r>
-            <a:endParaRPr lang="en-US" altLang="ja-JP" sz="2400" dirty="0"/>
-          </a:p>
-          <a:p>
-            <a:pPr marL="0" indent="0">
-              <a:buNone/>
-            </a:pPr>
-            <a:r>
-              <a:rPr lang="ja-JP" altLang="en-US" sz="2400" dirty="0"/>
-              <a:t>３カ月</a:t>
-            </a:r>
-            <a:endParaRPr kumimoji="1" lang="en-US" altLang="ja-JP" sz="2400" dirty="0"/>
-          </a:p>
-          <a:p>
-            <a:pPr marL="0" indent="0">
-              <a:buNone/>
-            </a:pPr>
-            <a:endParaRPr lang="en-US" altLang="ja-JP" sz="2400" dirty="0"/>
-          </a:p>
-          <a:p>
-            <a:pPr marL="0" indent="0">
-              <a:buNone/>
-            </a:pPr>
-            <a:r>
-              <a:rPr kumimoji="1" lang="ja-JP" altLang="en-US" sz="2400" dirty="0"/>
-              <a:t>・実装規模</a:t>
-            </a:r>
-            <a:endParaRPr kumimoji="1" lang="en-US" altLang="ja-JP" sz="2400" dirty="0"/>
-          </a:p>
-          <a:p>
-            <a:pPr marL="0" indent="0">
-              <a:buNone/>
-            </a:pPr>
-            <a:r>
-              <a:rPr kumimoji="1" lang="ja-JP" altLang="en-US" sz="2400" dirty="0"/>
-              <a:t>今のところは</a:t>
-            </a:r>
-            <a:r>
-              <a:rPr kumimoji="1" lang="en-US" altLang="ja-JP" sz="2400" dirty="0"/>
-              <a:t>4</a:t>
-            </a:r>
-            <a:r>
-              <a:rPr kumimoji="1" lang="ja-JP" altLang="en-US" sz="2400" dirty="0"/>
-              <a:t>ステージ</a:t>
-            </a:r>
-            <a:r>
-              <a:rPr kumimoji="1" lang="en-US" altLang="ja-JP" sz="2400" dirty="0"/>
-              <a:t>(1</a:t>
-            </a:r>
-            <a:r>
-              <a:rPr kumimoji="1" lang="ja-JP" altLang="en-US" sz="2400" dirty="0"/>
-              <a:t>ステージ当たり</a:t>
-            </a:r>
-            <a:r>
-              <a:rPr kumimoji="1" lang="en-US" altLang="ja-JP" sz="2400" dirty="0"/>
-              <a:t>2~3</a:t>
-            </a:r>
-            <a:r>
-              <a:rPr kumimoji="1" lang="ja-JP" altLang="en-US" sz="2400" dirty="0"/>
-              <a:t>分</a:t>
-            </a:r>
-            <a:r>
-              <a:rPr kumimoji="1" lang="en-US" altLang="ja-JP" sz="2400" dirty="0"/>
-              <a:t>)</a:t>
-            </a:r>
-          </a:p>
-        </p:txBody>
-      </p:sp>
-    </p:spTree>
-    <p:extLst>
-      <p:ext uri="{BB962C8B-B14F-4D97-AF65-F5344CB8AC3E}">
-        <p14:creationId xmlns:p14="http://schemas.microsoft.com/office/powerpoint/2010/main" val="69214981"/>
       </p:ext>
     </p:extLst>
   </p:cSld>
@@ -8766,20 +9080,20 @@
 </file>
 
 <file path=customXml/item2.xml><?xml version="1.0" encoding="utf-8"?>
+<p:properties xmlns:p="http://schemas.microsoft.com/office/2006/metadata/properties" xmlns:xsi="http://www.w3.org/2001/XMLSchema-instance" xmlns:pc="http://schemas.microsoft.com/office/infopath/2007/PartnerControls">
+  <documentManagement>
+    <MediaServiceKeyPoints xmlns="71af3243-3dd4-4a8d-8c0d-dd76da1f02a5" xsi:nil="true"/>
+  </documentManagement>
+</p:properties>
+</file>
+
+<file path=customXml/item3.xml><?xml version="1.0" encoding="utf-8"?>
 <?mso-contentType ?>
 <FormTemplates xmlns="http://schemas.microsoft.com/sharepoint/v3/contenttype/forms">
   <Display>DocumentLibraryForm</Display>
   <Edit>DocumentLibraryForm</Edit>
   <New>DocumentLibraryForm</New>
 </FormTemplates>
-</file>
-
-<file path=customXml/item3.xml><?xml version="1.0" encoding="utf-8"?>
-<p:properties xmlns:p="http://schemas.microsoft.com/office/2006/metadata/properties" xmlns:xsi="http://www.w3.org/2001/XMLSchema-instance" xmlns:pc="http://schemas.microsoft.com/office/infopath/2007/PartnerControls">
-  <documentManagement>
-    <MediaServiceKeyPoints xmlns="71af3243-3dd4-4a8d-8c0d-dd76da1f02a5" xsi:nil="true"/>
-  </documentManagement>
-</p:properties>
 </file>
 
 <file path=customXml/itemProps1.xml><?xml version="1.0" encoding="utf-8"?>
@@ -8802,14 +9116,6 @@
 </file>
 
 <file path=customXml/itemProps2.xml><?xml version="1.0" encoding="utf-8"?>
-<ds:datastoreItem xmlns:ds="http://schemas.openxmlformats.org/officeDocument/2006/customXml" ds:itemID="{A2F4A21B-80B9-40F1-8308-E0B7F0FE0B09}">
-  <ds:schemaRefs>
-    <ds:schemaRef ds:uri="http://schemas.microsoft.com/sharepoint/v3/contenttype/forms"/>
-  </ds:schemaRefs>
-</ds:datastoreItem>
-</file>
-
-<file path=customXml/itemProps3.xml><?xml version="1.0" encoding="utf-8"?>
 <ds:datastoreItem xmlns:ds="http://schemas.openxmlformats.org/officeDocument/2006/customXml" ds:itemID="{F3E96646-423E-4354-94C2-1A28227BF075}">
   <ds:schemaRefs>
     <ds:schemaRef ds:uri="http://schemas.microsoft.com/office/2006/metadata/properties"/>
@@ -8817,4 +9123,12 @@
     <ds:schemaRef ds:uri="71af3243-3dd4-4a8d-8c0d-dd76da1f02a5"/>
   </ds:schemaRefs>
 </ds:datastoreItem>
+</file>
+
+<file path=customXml/itemProps3.xml><?xml version="1.0" encoding="utf-8"?>
+<ds:datastoreItem xmlns:ds="http://schemas.openxmlformats.org/officeDocument/2006/customXml" ds:itemID="{A2F4A21B-80B9-40F1-8308-E0B7F0FE0B09}">
+  <ds:schemaRefs>
+    <ds:schemaRef ds:uri="http://schemas.microsoft.com/sharepoint/v3/contenttype/forms"/>
+  </ds:schemaRefs>
+</ds:datastoreItem>
 </file>